--- a/JPP6-JCR/Day-5.pptx
+++ b/JPP6-JCR/Day-5.pptx
@@ -7539,7 +7539,6 @@
               <a:rPr lang="en-US" sz="2400" b="1" dirty="0" smtClean="0"/>
               <a:t>Pros</a:t>
             </a:r>
-            <a:endParaRPr lang="en-US" sz="2400" b="1" dirty="0" smtClean="0"/>
           </a:p>
           <a:p>
             <a:pPr>
@@ -7993,7 +7992,6 @@
               <a:rPr lang="en-US" sz="2400" b="1" dirty="0" smtClean="0"/>
               <a:t>Pros</a:t>
             </a:r>
-            <a:endParaRPr lang="en-US" sz="2400" b="1" dirty="0" smtClean="0"/>
           </a:p>
           <a:p>
             <a:pPr>
@@ -8009,7 +8007,11 @@
             </a:pPr>
             <a:r>
               <a:rPr lang="en-US" sz="2200" b="1" i="1" dirty="0" smtClean="0"/>
-              <a:t>Read and Write accesses are faster as they are local</a:t>
+              <a:t>Read and Write accesses are faster as they are </a:t>
+            </a:r>
+            <a:r>
+              <a:rPr lang="en-US" sz="2200" b="1" i="1" dirty="0" smtClean="0"/>
+              <a:t>locals</a:t>
             </a:r>
             <a:endParaRPr lang="en-US" sz="2200" b="1" i="1" dirty="0" smtClean="0"/>
           </a:p>
@@ -8044,7 +8046,11 @@
             </a:pPr>
             <a:r>
               <a:rPr lang="en-US" sz="2200" b="1" i="1" dirty="0" smtClean="0"/>
-              <a:t>Consistency is harder to ensure as all nodes </a:t>
+              <a:t>Consistency is harder to ensure as </a:t>
+            </a:r>
+            <a:r>
+              <a:rPr lang="en-US" sz="2200" b="1" i="1" dirty="0" smtClean="0"/>
+              <a:t>each node </a:t>
             </a:r>
             <a:r>
               <a:rPr lang="en-US" sz="2200" b="1" i="1" dirty="0"/>
@@ -8081,7 +8087,6 @@
               <a:rPr lang="en-US" sz="2200" b="1" i="1" dirty="0" smtClean="0"/>
               <a:t>One copy of the indexes per node</a:t>
             </a:r>
-            <a:endParaRPr lang="en-US" sz="2200" b="1" i="1" dirty="0" smtClean="0"/>
           </a:p>
           <a:p>
             <a:pPr marL="342900" indent="-342900">
@@ -8432,7 +8437,6 @@
               <a:rPr lang="en-US" sz="2400" b="1" dirty="0" smtClean="0"/>
               <a:t>Pros</a:t>
             </a:r>
-            <a:endParaRPr lang="en-US" sz="2400" b="1" dirty="0" smtClean="0"/>
           </a:p>
           <a:p>
             <a:pPr>
@@ -8448,8 +8452,13 @@
             </a:pPr>
             <a:r>
               <a:rPr lang="en-US" sz="2200" b="1" i="1" dirty="0" smtClean="0"/>
-              <a:t>Read and Write accesses are faster as they are local</a:t>
-            </a:r>
+              <a:t>Read and Write accesses are faster as they are </a:t>
+            </a:r>
+            <a:r>
+              <a:rPr lang="en-US" sz="2200" b="1" i="1" dirty="0" smtClean="0"/>
+              <a:t>locals</a:t>
+            </a:r>
+            <a:endParaRPr lang="en-US" sz="2200" b="1" i="1" dirty="0" smtClean="0"/>
           </a:p>
           <a:p>
             <a:pPr marL="342900" indent="-342900">
@@ -8459,7 +8468,15 @@
             </a:pPr>
             <a:r>
               <a:rPr lang="en-US" sz="2200" b="1" i="1" dirty="0"/>
-              <a:t>Ensures consistency as all nodes read its own copy of indexes based on the indexes of the </a:t>
+              <a:t>Ensures consistency as </a:t>
+            </a:r>
+            <a:r>
+              <a:rPr lang="en-US" sz="2200" b="1" i="1" dirty="0" smtClean="0"/>
+              <a:t>each node reads </a:t>
+            </a:r>
+            <a:r>
+              <a:rPr lang="en-US" sz="2200" b="1" i="1" dirty="0"/>
+              <a:t>its own copy of indexes based on the indexes of the </a:t>
             </a:r>
             <a:r>
               <a:rPr lang="en-US" sz="2200" b="1" i="1" dirty="0" smtClean="0"/>
@@ -8929,13 +8946,8 @@
             </a:pPr>
             <a:r>
               <a:rPr lang="en-US" sz="2200" b="1" i="1" dirty="0" smtClean="0"/>
-              <a:t>Additional JBC instances are used to replicate the </a:t>
-            </a:r>
-            <a:r>
-              <a:rPr lang="en-US" sz="2200" b="1" i="1" dirty="0" smtClean="0"/>
-              <a:t>indexes</a:t>
-            </a:r>
-            <a:endParaRPr lang="en-US" sz="2200" b="1" i="1" dirty="0" smtClean="0"/>
+              <a:t>Additional JBC instances are used to replicate the indexes</a:t>
+            </a:r>
           </a:p>
           <a:p>
             <a:pPr marL="342900" indent="-342900">
@@ -9215,7 +9227,6 @@
               <a:rPr lang="fr-FR" sz="2000" b="1" i="1" dirty="0" smtClean="0"/>
               <a:t> mode</a:t>
             </a:r>
-            <a:endParaRPr lang="fr-FR" sz="2000" b="1" i="1" dirty="0" smtClean="0"/>
           </a:p>
           <a:p>
             <a:pPr marL="342900" indent="-342900">
@@ -9231,11 +9242,7 @@
             </a:pPr>
             <a:r>
               <a:rPr lang="fr-FR" sz="2200" b="1" dirty="0" smtClean="0"/>
-              <a:t>Local </a:t>
-            </a:r>
-            <a:r>
-              <a:rPr lang="fr-FR" sz="2200" b="1" dirty="0" smtClean="0"/>
-              <a:t>Indexes</a:t>
+              <a:t>Local Indexes</a:t>
             </a:r>
             <a:endParaRPr lang="fr-FR" sz="2200" b="1" dirty="0"/>
           </a:p>
@@ -9303,7 +9310,6 @@
               <a:rPr lang="fr-FR" sz="2000" b="1" i="1" dirty="0" smtClean="0"/>
               <a:t> Mode</a:t>
             </a:r>
-            <a:endParaRPr lang="fr-FR" sz="2000" b="1" i="1" dirty="0" smtClean="0"/>
           </a:p>
           <a:p>
             <a:pPr marL="342900" indent="-342900">
@@ -10201,13 +10207,7 @@
               <a:rPr lang="en-US" sz="2200" b="1" dirty="0" smtClean="0">
                 <a:cs typeface="Monaco"/>
               </a:rPr>
-              <a:t>Lock </a:t>
-            </a:r>
-            <a:r>
-              <a:rPr lang="en-US" sz="2200" b="1" dirty="0" smtClean="0">
-                <a:cs typeface="Monaco"/>
-              </a:rPr>
-              <a:t>Manager</a:t>
+              <a:t>Lock Manager</a:t>
             </a:r>
           </a:p>
           <a:p>
@@ -11189,20 +11189,6 @@
               <a:t>loader</a:t>
             </a:r>
             <a:endParaRPr lang="en-US" sz="2000" dirty="0" smtClean="0"/>
-          </a:p>
-          <a:p>
-            <a:pPr marL="342900" indent="-342900">
-              <a:buSzPct val="25000"/>
-              <a:buFont typeface="Wingdings" charset="2"/>
-              <a:buChar char="u"/>
-            </a:pPr>
-            <a:endParaRPr lang="fr-FR" sz="2000" dirty="0" smtClean="0"/>
-          </a:p>
-          <a:p>
-            <a:pPr>
-              <a:buSzPct val="25000"/>
-            </a:pPr>
-            <a:endParaRPr lang="fr-FR" sz="2200" b="1" i="1" dirty="0"/>
           </a:p>
         </p:txBody>
       </p:sp>
@@ -12227,19 +12213,26 @@
             </a:r>
             <a:r>
               <a:rPr lang="fr-FR" sz="2400" b="1" dirty="0" smtClean="0"/>
-              <a:t>: </a:t>
-            </a:r>
-            <a:r>
-              <a:rPr lang="fr-FR" sz="2400" b="1" dirty="0" smtClean="0"/>
-              <a:t>Local Indexes</a:t>
-            </a:r>
+              <a:t>: Local Indexes</a:t>
+            </a:r>
+          </a:p>
+          <a:p>
+            <a:pPr>
+              <a:buSzPct val="25000"/>
+            </a:pPr>
             <a:endParaRPr lang="fr-FR" sz="2400" b="1" dirty="0" smtClean="0"/>
           </a:p>
           <a:p>
             <a:pPr>
               <a:buSzPct val="25000"/>
             </a:pPr>
-            <a:endParaRPr lang="fr-FR" sz="2400" b="1" dirty="0" smtClean="0"/>
+            <a:r>
+              <a:rPr lang="en-US" sz="1400" b="1" dirty="0">
+                <a:latin typeface="Monaco"/>
+                <a:cs typeface="Monaco"/>
+              </a:rPr>
+              <a:t>&lt;query-handler class="org.exoplatform.services.jcr.impl.core.query.lucene.SearchIndex"&gt;</a:t>
+            </a:r>
           </a:p>
           <a:p>
             <a:pPr>
@@ -12250,7 +12243,7 @@
                 <a:latin typeface="Monaco"/>
                 <a:cs typeface="Monaco"/>
               </a:rPr>
-              <a:t>&lt;query-handler class="org.exoplatform.services.jcr.impl.core.query.lucene.SearchIndex"&gt;</a:t>
+              <a:t>   &lt;properties&gt;</a:t>
             </a:r>
           </a:p>
           <a:p>
@@ -12262,7 +12255,35 @@
                 <a:latin typeface="Monaco"/>
                 <a:cs typeface="Monaco"/>
               </a:rPr>
-              <a:t>   &lt;properties&gt;</a:t>
+              <a:t>      &lt;property name="index-</a:t>
+            </a:r>
+            <a:r>
+              <a:rPr lang="en-US" sz="1400" b="1" dirty="0" err="1">
+                <a:latin typeface="Monaco"/>
+                <a:cs typeface="Monaco"/>
+              </a:rPr>
+              <a:t>dir</a:t>
+            </a:r>
+            <a:r>
+              <a:rPr lang="en-US" sz="1400" b="1" dirty="0">
+                <a:latin typeface="Monaco"/>
+                <a:cs typeface="Monaco"/>
+              </a:rPr>
+              <a:t>" value="/index/db1/</a:t>
+            </a:r>
+            <a:r>
+              <a:rPr lang="en-US" sz="1400" b="1" dirty="0" err="1">
+                <a:latin typeface="Monaco"/>
+                <a:cs typeface="Monaco"/>
+              </a:rPr>
+              <a:t>ws</a:t>
+            </a:r>
+            <a:r>
+              <a:rPr lang="en-US" sz="1400" b="1" dirty="0">
+                <a:latin typeface="Monaco"/>
+                <a:cs typeface="Monaco"/>
+              </a:rPr>
+              <a:t>" /&gt;</a:t>
             </a:r>
           </a:p>
           <a:p>
@@ -12274,27 +12295,171 @@
                 <a:latin typeface="Monaco"/>
                 <a:cs typeface="Monaco"/>
               </a:rPr>
-              <a:t>      &lt;property name="index-</a:t>
+              <a:t>      &lt;property name="</a:t>
             </a:r>
             <a:r>
               <a:rPr lang="en-US" sz="1400" b="1" dirty="0" err="1">
                 <a:latin typeface="Monaco"/>
                 <a:cs typeface="Monaco"/>
               </a:rPr>
-              <a:t>dir</a:t>
+              <a:t>changesfilter</a:t>
             </a:r>
             <a:r>
               <a:rPr lang="en-US" sz="1400" b="1" dirty="0">
                 <a:latin typeface="Monaco"/>
                 <a:cs typeface="Monaco"/>
               </a:rPr>
-              <a:t>" value="/index/db1/</a:t>
+              <a:t>-class"</a:t>
+            </a:r>
+          </a:p>
+          <a:p>
+            <a:pPr>
+              <a:buSzPct val="25000"/>
+            </a:pPr>
+            <a:r>
+              <a:rPr lang="en-US" sz="1400" b="1" dirty="0">
+                <a:latin typeface="Monaco"/>
+                <a:cs typeface="Monaco"/>
+              </a:rPr>
+              <a:t>         value="org.exoplatform.services.jcr.impl.core.query.jbosscache.LocalIndexChangesFilter" /&gt;</a:t>
+            </a:r>
+          </a:p>
+          <a:p>
+            <a:pPr>
+              <a:buSzPct val="25000"/>
+            </a:pPr>
+            <a:r>
+              <a:rPr lang="en-US" sz="1400" b="1" dirty="0">
+                <a:latin typeface="Monaco"/>
+                <a:cs typeface="Monaco"/>
+              </a:rPr>
+              <a:t>      &lt;property name="</a:t>
             </a:r>
             <a:r>
               <a:rPr lang="en-US" sz="1400" b="1" dirty="0" err="1">
                 <a:latin typeface="Monaco"/>
                 <a:cs typeface="Monaco"/>
               </a:rPr>
+              <a:t>jbosscache</a:t>
+            </a:r>
+            <a:r>
+              <a:rPr lang="en-US" sz="1400" b="1" dirty="0">
+                <a:latin typeface="Monaco"/>
+                <a:cs typeface="Monaco"/>
+              </a:rPr>
+              <a:t>-configuration" value="</a:t>
+            </a:r>
+            <a:r>
+              <a:rPr lang="en-US" sz="1400" b="1" dirty="0" err="1">
+                <a:latin typeface="Monaco"/>
+                <a:cs typeface="Monaco"/>
+              </a:rPr>
+              <a:t>jbosscache-indexer.xml</a:t>
+            </a:r>
+            <a:r>
+              <a:rPr lang="en-US" sz="1400" b="1" dirty="0">
+                <a:latin typeface="Monaco"/>
+                <a:cs typeface="Monaco"/>
+              </a:rPr>
+              <a:t>" /&gt;</a:t>
+            </a:r>
+          </a:p>
+          <a:p>
+            <a:pPr>
+              <a:buSzPct val="25000"/>
+            </a:pPr>
+            <a:r>
+              <a:rPr lang="en-US" sz="1400" b="1" dirty="0">
+                <a:latin typeface="Monaco"/>
+                <a:cs typeface="Monaco"/>
+              </a:rPr>
+              <a:t>      &lt;property name="</a:t>
+            </a:r>
+            <a:r>
+              <a:rPr lang="en-US" sz="1400" b="1" dirty="0" err="1">
+                <a:latin typeface="Monaco"/>
+                <a:cs typeface="Monaco"/>
+              </a:rPr>
+              <a:t>jgroups</a:t>
+            </a:r>
+            <a:r>
+              <a:rPr lang="en-US" sz="1400" b="1" dirty="0">
+                <a:latin typeface="Monaco"/>
+                <a:cs typeface="Monaco"/>
+              </a:rPr>
+              <a:t>-configuration" value="</a:t>
+            </a:r>
+            <a:r>
+              <a:rPr lang="en-US" sz="1400" b="1" dirty="0" err="1">
+                <a:latin typeface="Monaco"/>
+                <a:cs typeface="Monaco"/>
+              </a:rPr>
+              <a:t>udp-mux.xml</a:t>
+            </a:r>
+            <a:r>
+              <a:rPr lang="en-US" sz="1400" b="1" dirty="0">
+                <a:latin typeface="Monaco"/>
+                <a:cs typeface="Monaco"/>
+              </a:rPr>
+              <a:t>" /&gt;</a:t>
+            </a:r>
+          </a:p>
+          <a:p>
+            <a:pPr>
+              <a:buSzPct val="25000"/>
+            </a:pPr>
+            <a:r>
+              <a:rPr lang="en-US" sz="1400" b="1" dirty="0">
+                <a:latin typeface="Monaco"/>
+                <a:cs typeface="Monaco"/>
+              </a:rPr>
+              <a:t>      &lt;property name="</a:t>
+            </a:r>
+            <a:r>
+              <a:rPr lang="en-US" sz="1400" b="1" dirty="0" err="1">
+                <a:latin typeface="Monaco"/>
+                <a:cs typeface="Monaco"/>
+              </a:rPr>
+              <a:t>jgroups</a:t>
+            </a:r>
+            <a:r>
+              <a:rPr lang="en-US" sz="1400" b="1" dirty="0">
+                <a:latin typeface="Monaco"/>
+                <a:cs typeface="Monaco"/>
+              </a:rPr>
+              <a:t>-multiplexer-stack" value="false" /&gt;</a:t>
+            </a:r>
+          </a:p>
+          <a:p>
+            <a:pPr>
+              <a:buSzPct val="25000"/>
+            </a:pPr>
+            <a:r>
+              <a:rPr lang="en-US" sz="1400" b="1" dirty="0">
+                <a:latin typeface="Monaco"/>
+                <a:cs typeface="Monaco"/>
+              </a:rPr>
+              <a:t>      &lt;property name="</a:t>
+            </a:r>
+            <a:r>
+              <a:rPr lang="en-US" sz="1400" b="1" dirty="0" err="1">
+                <a:latin typeface="Monaco"/>
+                <a:cs typeface="Monaco"/>
+              </a:rPr>
+              <a:t>jbosscache</a:t>
+            </a:r>
+            <a:r>
+              <a:rPr lang="en-US" sz="1400" b="1" dirty="0">
+                <a:latin typeface="Monaco"/>
+                <a:cs typeface="Monaco"/>
+              </a:rPr>
+              <a:t>-cluster-name" value="JCR-cluster-indexer-</a:t>
+            </a:r>
+            <a:r>
+              <a:rPr lang="en-US" sz="1400" b="1" dirty="0" err="1">
+                <a:latin typeface="Monaco"/>
+                <a:cs typeface="Monaco"/>
+              </a:rPr>
               <a:t>ws</a:t>
             </a:r>
             <a:r>
@@ -12314,21 +12479,19 @@
                 <a:latin typeface="Monaco"/>
                 <a:cs typeface="Monaco"/>
               </a:rPr>
-              <a:t>      &lt;property name="</a:t>
-            </a:r>
-            <a:r>
-              <a:rPr lang="en-US" sz="1400" b="1" dirty="0" err="1">
-                <a:latin typeface="Monaco"/>
-                <a:cs typeface="Monaco"/>
-              </a:rPr>
-              <a:t>changesfilter</a:t>
-            </a:r>
+              <a:t>      &lt;property name="index-recovery-mode" value="from-coordinator" /&gt;</a:t>
+            </a:r>
+          </a:p>
+          <a:p>
+            <a:pPr>
+              <a:buSzPct val="25000"/>
+            </a:pPr>
             <a:r>
               <a:rPr lang="en-US" sz="1400" b="1" dirty="0">
                 <a:latin typeface="Monaco"/>
                 <a:cs typeface="Monaco"/>
               </a:rPr>
-              <a:t>-class"</a:t>
+              <a:t>   &lt;/properties&gt;</a:t>
             </a:r>
           </a:p>
           <a:p>
@@ -12340,194 +12503,8 @@
                 <a:latin typeface="Monaco"/>
                 <a:cs typeface="Monaco"/>
               </a:rPr>
-              <a:t>         value="org.exoplatform.services.jcr.impl.core.query.jbosscache.LocalIndexChangesFilter" /&gt;</a:t>
-            </a:r>
-          </a:p>
-          <a:p>
-            <a:pPr>
-              <a:buSzPct val="25000"/>
-            </a:pPr>
-            <a:r>
-              <a:rPr lang="en-US" sz="1400" b="1" dirty="0">
-                <a:latin typeface="Monaco"/>
-                <a:cs typeface="Monaco"/>
-              </a:rPr>
-              <a:t>      &lt;property name="</a:t>
-            </a:r>
-            <a:r>
-              <a:rPr lang="en-US" sz="1400" b="1" dirty="0" err="1">
-                <a:latin typeface="Monaco"/>
-                <a:cs typeface="Monaco"/>
-              </a:rPr>
-              <a:t>jbosscache</a:t>
-            </a:r>
-            <a:r>
-              <a:rPr lang="en-US" sz="1400" b="1" dirty="0">
-                <a:latin typeface="Monaco"/>
-                <a:cs typeface="Monaco"/>
-              </a:rPr>
-              <a:t>-configuration" value="</a:t>
-            </a:r>
-            <a:r>
-              <a:rPr lang="en-US" sz="1400" b="1" dirty="0" err="1">
-                <a:latin typeface="Monaco"/>
-                <a:cs typeface="Monaco"/>
-              </a:rPr>
-              <a:t>jbosscache-indexer.xml</a:t>
-            </a:r>
-            <a:r>
-              <a:rPr lang="en-US" sz="1400" b="1" dirty="0">
-                <a:latin typeface="Monaco"/>
-                <a:cs typeface="Monaco"/>
-              </a:rPr>
-              <a:t>" /&gt;</a:t>
-            </a:r>
-          </a:p>
-          <a:p>
-            <a:pPr>
-              <a:buSzPct val="25000"/>
-            </a:pPr>
-            <a:r>
-              <a:rPr lang="en-US" sz="1400" b="1" dirty="0">
-                <a:latin typeface="Monaco"/>
-                <a:cs typeface="Monaco"/>
-              </a:rPr>
-              <a:t>      &lt;property name="</a:t>
-            </a:r>
-            <a:r>
-              <a:rPr lang="en-US" sz="1400" b="1" dirty="0" err="1">
-                <a:latin typeface="Monaco"/>
-                <a:cs typeface="Monaco"/>
-              </a:rPr>
-              <a:t>jgroups</a:t>
-            </a:r>
-            <a:r>
-              <a:rPr lang="en-US" sz="1400" b="1" dirty="0">
-                <a:latin typeface="Monaco"/>
-                <a:cs typeface="Monaco"/>
-              </a:rPr>
-              <a:t>-configuration" value="</a:t>
-            </a:r>
-            <a:r>
-              <a:rPr lang="en-US" sz="1400" b="1" dirty="0" err="1">
-                <a:latin typeface="Monaco"/>
-                <a:cs typeface="Monaco"/>
-              </a:rPr>
-              <a:t>udp-mux.xml</a:t>
-            </a:r>
-            <a:r>
-              <a:rPr lang="en-US" sz="1400" b="1" dirty="0">
-                <a:latin typeface="Monaco"/>
-                <a:cs typeface="Monaco"/>
-              </a:rPr>
-              <a:t>" /&gt;</a:t>
-            </a:r>
-          </a:p>
-          <a:p>
-            <a:pPr>
-              <a:buSzPct val="25000"/>
-            </a:pPr>
-            <a:r>
-              <a:rPr lang="en-US" sz="1400" b="1" dirty="0">
-                <a:latin typeface="Monaco"/>
-                <a:cs typeface="Monaco"/>
-              </a:rPr>
-              <a:t>      &lt;property name="</a:t>
-            </a:r>
-            <a:r>
-              <a:rPr lang="en-US" sz="1400" b="1" dirty="0" err="1">
-                <a:latin typeface="Monaco"/>
-                <a:cs typeface="Monaco"/>
-              </a:rPr>
-              <a:t>jgroups</a:t>
-            </a:r>
-            <a:r>
-              <a:rPr lang="en-US" sz="1400" b="1" dirty="0">
-                <a:latin typeface="Monaco"/>
-                <a:cs typeface="Monaco"/>
-              </a:rPr>
-              <a:t>-multiplexer-stack" value="false" /&gt;</a:t>
-            </a:r>
-          </a:p>
-          <a:p>
-            <a:pPr>
-              <a:buSzPct val="25000"/>
-            </a:pPr>
-            <a:r>
-              <a:rPr lang="en-US" sz="1400" b="1" dirty="0">
-                <a:latin typeface="Monaco"/>
-                <a:cs typeface="Monaco"/>
-              </a:rPr>
-              <a:t>      &lt;property name="</a:t>
-            </a:r>
-            <a:r>
-              <a:rPr lang="en-US" sz="1400" b="1" dirty="0" err="1">
-                <a:latin typeface="Monaco"/>
-                <a:cs typeface="Monaco"/>
-              </a:rPr>
-              <a:t>jbosscache</a:t>
-            </a:r>
-            <a:r>
-              <a:rPr lang="en-US" sz="1400" b="1" dirty="0">
-                <a:latin typeface="Monaco"/>
-                <a:cs typeface="Monaco"/>
-              </a:rPr>
-              <a:t>-cluster-name" value="JCR-cluster-indexer-</a:t>
-            </a:r>
-            <a:r>
-              <a:rPr lang="en-US" sz="1400" b="1" dirty="0" err="1">
-                <a:latin typeface="Monaco"/>
-                <a:cs typeface="Monaco"/>
-              </a:rPr>
-              <a:t>ws</a:t>
-            </a:r>
-            <a:r>
-              <a:rPr lang="en-US" sz="1400" b="1" dirty="0">
-                <a:latin typeface="Monaco"/>
-                <a:cs typeface="Monaco"/>
-              </a:rPr>
-              <a:t>" /&gt;</a:t>
-            </a:r>
-          </a:p>
-          <a:p>
-            <a:pPr>
-              <a:buSzPct val="25000"/>
-            </a:pPr>
-            <a:r>
-              <a:rPr lang="en-US" sz="1400" b="1" dirty="0">
-                <a:latin typeface="Monaco"/>
-                <a:cs typeface="Monaco"/>
-              </a:rPr>
-              <a:t>      &lt;property name="index-recovery-mode" value="from-coordinator" /&gt;</a:t>
-            </a:r>
-          </a:p>
-          <a:p>
-            <a:pPr>
-              <a:buSzPct val="25000"/>
-            </a:pPr>
-            <a:r>
-              <a:rPr lang="en-US" sz="1400" b="1" dirty="0">
-                <a:latin typeface="Monaco"/>
-                <a:cs typeface="Monaco"/>
-              </a:rPr>
-              <a:t>   &lt;/properties&gt;</a:t>
-            </a:r>
-          </a:p>
-          <a:p>
-            <a:pPr>
-              <a:buSzPct val="25000"/>
-            </a:pPr>
-            <a:r>
-              <a:rPr lang="en-US" sz="1400" b="1" dirty="0">
-                <a:latin typeface="Monaco"/>
-                <a:cs typeface="Monaco"/>
-              </a:rPr>
               <a:t>&lt;/query-handler&gt;</a:t>
             </a:r>
-            <a:endParaRPr lang="en-US" sz="1400" b="1" dirty="0">
-              <a:latin typeface="Monaco"/>
-              <a:cs typeface="Monaco"/>
-            </a:endParaRPr>
           </a:p>
           <a:p>
             <a:pPr marL="342900" indent="-342900">
@@ -12849,7 +12826,11 @@
             </a:r>
             <a:r>
               <a:rPr lang="en-US" dirty="0" smtClean="0"/>
-              <a:t>FQN of the filter to use to know if an index recovery is needed</a:t>
+              <a:t>FQN of the filter to use to know if an index recovery is </a:t>
+            </a:r>
+            <a:r>
+              <a:rPr lang="en-US" dirty="0" smtClean="0"/>
+              <a:t>required</a:t>
             </a:r>
             <a:endParaRPr lang="en-US" b="1" i="1" dirty="0"/>
           </a:p>
@@ -13030,7 +13011,6 @@
               <a:rPr lang="fr-FR" sz="2400" b="1" dirty="0" smtClean="0"/>
               <a:t> Indexes</a:t>
             </a:r>
-            <a:endParaRPr lang="fr-FR" sz="2400" b="1" dirty="0" smtClean="0"/>
           </a:p>
           <a:p>
             <a:pPr>
@@ -13559,7 +13539,6 @@
               <a:rPr lang="en-US" b="1" i="1" dirty="0" smtClean="0"/>
               <a:t> based mode</a:t>
             </a:r>
-            <a:endParaRPr lang="en-US" b="1" i="1" dirty="0" smtClean="0"/>
           </a:p>
           <a:p>
             <a:pPr marL="342900" indent="-342900">
@@ -13679,7 +13658,6 @@
               <a:rPr lang="en-US" dirty="0" smtClean="0"/>
               <a:t> server</a:t>
             </a:r>
-            <a:endParaRPr lang="en-US" dirty="0" smtClean="0"/>
           </a:p>
           <a:p>
             <a:pPr>
@@ -13853,19 +13831,7 @@
             </a:r>
             <a:r>
               <a:rPr lang="en-US" sz="2200" b="1" i="1" dirty="0" smtClean="0"/>
-              <a:t> </a:t>
-            </a:r>
-            <a:r>
-              <a:rPr lang="en-US" sz="2200" b="1" i="1" dirty="0" smtClean="0"/>
-              <a:t>and </a:t>
-            </a:r>
-            <a:r>
-              <a:rPr lang="en-US" sz="2200" b="1" i="1" dirty="0" smtClean="0"/>
-              <a:t>standalone-</a:t>
-            </a:r>
-            <a:r>
-              <a:rPr lang="en-US" sz="2200" b="1" i="1" dirty="0" smtClean="0"/>
-              <a:t>full-</a:t>
+              <a:t> and standalone-full-</a:t>
             </a:r>
             <a:r>
               <a:rPr lang="en-US" sz="2200" b="1" i="1" dirty="0" err="1" smtClean="0"/>
@@ -13884,11 +13850,7 @@
             </a:pPr>
             <a:r>
               <a:rPr lang="en-US" sz="2200" i="1" dirty="0" err="1" smtClean="0"/>
-              <a:t>e</a:t>
-            </a:r>
-            <a:r>
-              <a:rPr lang="en-US" sz="2200" i="1" dirty="0" err="1" smtClean="0"/>
-              <a:t>xo.profiles</a:t>
+              <a:t>exo.profiles</a:t>
             </a:r>
             <a:r>
               <a:rPr lang="en-US" sz="2200" i="1" dirty="0" smtClean="0"/>
@@ -13972,7 +13934,23 @@
             </a:r>
             <a:r>
               <a:rPr lang="en-US" sz="2200" b="1" i="1" dirty="0" smtClean="0"/>
-              <a:t> in case you would like to configure the share transport, you will need to</a:t>
+              <a:t> in case you would like to configure the </a:t>
+            </a:r>
+            <a:r>
+              <a:rPr lang="en-US" sz="2200" b="1" i="1" dirty="0" smtClean="0"/>
+              <a:t>shared </a:t>
+            </a:r>
+            <a:r>
+              <a:rPr lang="en-US" sz="2200" b="1" i="1" dirty="0" smtClean="0"/>
+              <a:t>approach</a:t>
+            </a:r>
+            <a:r>
+              <a:rPr lang="en-US" sz="2200" b="1" i="1" dirty="0" smtClean="0"/>
+              <a:t>, </a:t>
+            </a:r>
+            <a:r>
+              <a:rPr lang="en-US" sz="2200" b="1" i="1" dirty="0" smtClean="0"/>
+              <a:t>you will need to</a:t>
             </a:r>
           </a:p>
           <a:p>
@@ -14431,7 +14409,15 @@
             </a:pPr>
             <a:r>
               <a:rPr lang="en-US" sz="2200" b="1" i="1" dirty="0" smtClean="0"/>
-              <a:t>The cluster nodes must be launched one after the other (no more true sin JCR 1.14)</a:t>
+              <a:t>The cluster nodes must be launched one after the other (no more true </a:t>
+            </a:r>
+            <a:r>
+              <a:rPr lang="en-US" sz="2200" b="1" i="1" dirty="0" smtClean="0"/>
+              <a:t>since </a:t>
+            </a:r>
+            <a:r>
+              <a:rPr lang="en-US" sz="2200" b="1" i="1" dirty="0" smtClean="0"/>
+              <a:t>JCR 1.14)</a:t>
             </a:r>
           </a:p>
           <a:p>
@@ -14789,7 +14775,59 @@
             </a:r>
             <a:r>
               <a:rPr lang="en-US" dirty="0" smtClean="0"/>
-              <a:t>We have 2 concurrent threads blocked because the first thread holds the lock on the first item and wants to acquire the lock on the second item and the second thread holds the lock on the second item and wants to acquire the lock on the first item</a:t>
+              <a:t>We have 2 concurrent threads blocked because the first thread holds the lock on </a:t>
+            </a:r>
+            <a:r>
+              <a:rPr lang="en-US" dirty="0" smtClean="0"/>
+              <a:t>a cache entry locally and </a:t>
+            </a:r>
+            <a:r>
+              <a:rPr lang="en-US" dirty="0" smtClean="0"/>
+              <a:t>wants to acquire the lock </a:t>
+            </a:r>
+            <a:r>
+              <a:rPr lang="en-US" dirty="0" smtClean="0"/>
+              <a:t>of this entry on the second cluster node </a:t>
+            </a:r>
+            <a:r>
+              <a:rPr lang="en-US" dirty="0" smtClean="0"/>
+              <a:t>and </a:t>
+            </a:r>
+            <a:r>
+              <a:rPr lang="en-US" dirty="0" smtClean="0"/>
+              <a:t>the </a:t>
+            </a:r>
+            <a:r>
+              <a:rPr lang="en-US" dirty="0" smtClean="0"/>
+              <a:t>second thread holds the lock on </a:t>
+            </a:r>
+            <a:r>
+              <a:rPr lang="en-US" dirty="0" smtClean="0"/>
+              <a:t>the same cache entry on th</a:t>
+            </a:r>
+            <a:r>
+              <a:rPr lang="en-US" dirty="0" smtClean="0"/>
+              <a:t>e second cluster node</a:t>
+            </a:r>
+            <a:r>
+              <a:rPr lang="en-US" dirty="0" smtClean="0"/>
+              <a:t> </a:t>
+            </a:r>
+            <a:r>
+              <a:rPr lang="en-US" dirty="0" smtClean="0"/>
+              <a:t>and wants to acquire the lock on </a:t>
+            </a:r>
+            <a:r>
+              <a:rPr lang="en-US" dirty="0" smtClean="0"/>
+              <a:t>this entry on the </a:t>
+            </a:r>
+            <a:r>
+              <a:rPr lang="en-US" dirty="0" smtClean="0"/>
+              <a:t>first </a:t>
+            </a:r>
+            <a:r>
+              <a:rPr lang="en-US" dirty="0" smtClean="0"/>
+              <a:t>cluster node.</a:t>
             </a:r>
             <a:endParaRPr lang="en-US" b="1" i="1" dirty="0" smtClean="0"/>
           </a:p>
@@ -14813,7 +14851,23 @@
             </a:r>
             <a:r>
               <a:rPr lang="en-US" dirty="0" smtClean="0"/>
-              <a:t>} (here 20 seconds) and that holds several locks on items and we have concurrent threads that would like to acquire the lock on one or several items already owned by the thread that performs the slow transaction.</a:t>
+              <a:t>} (here 20 seconds) and that holds several locks on </a:t>
+            </a:r>
+            <a:r>
+              <a:rPr lang="en-US" dirty="0" smtClean="0"/>
+              <a:t>cache entries and </a:t>
+            </a:r>
+            <a:r>
+              <a:rPr lang="en-US" dirty="0" smtClean="0"/>
+              <a:t>we have concurrent threads that would like to acquire the lock on one or several </a:t>
+            </a:r>
+            <a:r>
+              <a:rPr lang="en-US" smtClean="0"/>
+              <a:t>cache entries already </a:t>
+            </a:r>
+            <a:r>
+              <a:rPr lang="en-US" dirty="0" smtClean="0"/>
+              <a:t>owned by the thread that performs the slow transaction.</a:t>
             </a:r>
           </a:p>
           <a:p>
@@ -16398,7 +16452,6 @@
               <a:rPr lang="fr-FR" sz="1400" dirty="0"/>
               <a:t> on ISPN</a:t>
             </a:r>
-            <a:endParaRPr lang="fr-FR" sz="1400" dirty="0"/>
           </a:p>
         </p:txBody>
       </p:sp>
@@ -18049,7 +18102,6 @@
               <a:rPr lang="fr-FR" sz="1400" dirty="0"/>
               <a:t> on ISPN</a:t>
             </a:r>
-            <a:endParaRPr lang="fr-FR" sz="1400" dirty="0"/>
           </a:p>
         </p:txBody>
       </p:sp>
@@ -18095,7 +18147,6 @@
               <a:rPr lang="fr-FR" sz="1400" dirty="0"/>
               <a:t> on ISPN</a:t>
             </a:r>
-            <a:endParaRPr lang="fr-FR" sz="1400" dirty="0"/>
           </a:p>
         </p:txBody>
       </p:sp>
@@ -19905,7 +19956,6 @@
               <a:rPr lang="fr-FR" sz="1400" dirty="0"/>
               <a:t> on ISPN</a:t>
             </a:r>
-            <a:endParaRPr lang="fr-FR" sz="1400" dirty="0"/>
           </a:p>
         </p:txBody>
       </p:sp>
@@ -19951,7 +20001,6 @@
               <a:rPr lang="fr-FR" sz="1400" dirty="0"/>
               <a:t> on ISPN</a:t>
             </a:r>
-            <a:endParaRPr lang="fr-FR" sz="1400" dirty="0"/>
           </a:p>
         </p:txBody>
       </p:sp>

--- a/JPP6-JCR/Day-5.pptx
+++ b/JPP6-JCR/Day-5.pptx
@@ -8007,13 +8007,8 @@
             </a:pPr>
             <a:r>
               <a:rPr lang="en-US" sz="2200" b="1" i="1" dirty="0" smtClean="0"/>
-              <a:t>Read and Write accesses are faster as they are </a:t>
-            </a:r>
-            <a:r>
-              <a:rPr lang="en-US" sz="2200" b="1" i="1" dirty="0" smtClean="0"/>
-              <a:t>locals</a:t>
-            </a:r>
-            <a:endParaRPr lang="en-US" sz="2200" b="1" i="1" dirty="0" smtClean="0"/>
+              <a:t>Read and Write accesses are faster as they are locals</a:t>
+            </a:r>
           </a:p>
           <a:p>
             <a:pPr marL="342900" indent="-342900">
@@ -8046,11 +8041,7 @@
             </a:pPr>
             <a:r>
               <a:rPr lang="en-US" sz="2200" b="1" i="1" dirty="0" smtClean="0"/>
-              <a:t>Consistency is harder to ensure as </a:t>
-            </a:r>
-            <a:r>
-              <a:rPr lang="en-US" sz="2200" b="1" i="1" dirty="0" smtClean="0"/>
-              <a:t>each node </a:t>
+              <a:t>Consistency is harder to ensure as each node </a:t>
             </a:r>
             <a:r>
               <a:rPr lang="en-US" sz="2200" b="1" i="1" dirty="0"/>
@@ -8452,13 +8443,8 @@
             </a:pPr>
             <a:r>
               <a:rPr lang="en-US" sz="2200" b="1" i="1" dirty="0" smtClean="0"/>
-              <a:t>Read and Write accesses are faster as they are </a:t>
-            </a:r>
-            <a:r>
-              <a:rPr lang="en-US" sz="2200" b="1" i="1" dirty="0" smtClean="0"/>
-              <a:t>locals</a:t>
-            </a:r>
-            <a:endParaRPr lang="en-US" sz="2200" b="1" i="1" dirty="0" smtClean="0"/>
+              <a:t>Read and Write accesses are faster as they are locals</a:t>
+            </a:r>
           </a:p>
           <a:p>
             <a:pPr marL="342900" indent="-342900">
@@ -9125,7 +9111,7 @@
             </a:r>
             <a:r>
               <a:rPr lang="fr-FR" sz="2400" b="1" dirty="0" err="1" smtClean="0"/>
-              <a:t>strategies</a:t>
+              <a:t>strategy</a:t>
             </a:r>
             <a:endParaRPr lang="fr-FR" sz="2400" b="1" dirty="0" smtClean="0"/>
           </a:p>
@@ -9308,8 +9294,13 @@
             </a:r>
             <a:r>
               <a:rPr lang="fr-FR" sz="2000" b="1" i="1" dirty="0" smtClean="0"/>
-              <a:t> Mode</a:t>
-            </a:r>
+              <a:t> </a:t>
+            </a:r>
+            <a:r>
+              <a:rPr lang="fr-FR" sz="2000" b="1" i="1" dirty="0" smtClean="0"/>
+              <a:t>mode</a:t>
+            </a:r>
+            <a:endParaRPr lang="fr-FR" sz="2000" b="1" i="1" dirty="0" smtClean="0"/>
           </a:p>
           <a:p>
             <a:pPr marL="342900" indent="-342900">
@@ -9884,7 +9875,23 @@
             </a:r>
             <a:r>
               <a:rPr lang="it-IT" sz="2000" dirty="0" smtClean="0"/>
-              <a:t> to use for the cache</a:t>
+              <a:t> </a:t>
+            </a:r>
+            <a:r>
+              <a:rPr lang="it-IT" sz="2000" dirty="0" err="1" smtClean="0"/>
+              <a:t>used</a:t>
+            </a:r>
+            <a:r>
+              <a:rPr lang="it-IT" sz="2000" dirty="0" smtClean="0"/>
+              <a:t> by </a:t>
+            </a:r>
+            <a:r>
+              <a:rPr lang="it-IT" sz="2000" dirty="0" smtClean="0"/>
+              <a:t>the </a:t>
+            </a:r>
+            <a:r>
+              <a:rPr lang="it-IT" sz="2000" dirty="0" smtClean="0"/>
+              <a:t>JCR cache</a:t>
             </a:r>
             <a:endParaRPr lang="it-IT" sz="2000" dirty="0"/>
           </a:p>
@@ -9975,7 +9982,7 @@
             </a:r>
             <a:r>
               <a:rPr lang="de-DE" sz="2000" dirty="0" err="1" smtClean="0"/>
-              <a:t>to</a:t>
+              <a:t>used</a:t>
             </a:r>
             <a:r>
               <a:rPr lang="de-DE" sz="2000" dirty="0" smtClean="0"/>
@@ -9983,7 +9990,7 @@
             </a:r>
             <a:r>
               <a:rPr lang="de-DE" sz="2000" dirty="0" err="1" smtClean="0"/>
-              <a:t>use</a:t>
+              <a:t>for</a:t>
             </a:r>
             <a:r>
               <a:rPr lang="de-DE" sz="2000" dirty="0" smtClean="0"/>
@@ -9991,19 +9998,15 @@
             </a:r>
             <a:r>
               <a:rPr lang="de-DE" sz="2000" dirty="0" err="1" smtClean="0"/>
-              <a:t>for</a:t>
+              <a:t>the</a:t>
             </a:r>
             <a:r>
               <a:rPr lang="de-DE" sz="2000" dirty="0" smtClean="0"/>
               <a:t> </a:t>
             </a:r>
             <a:r>
-              <a:rPr lang="de-DE" sz="2000" dirty="0" err="1" smtClean="0"/>
-              <a:t>the</a:t>
-            </a:r>
-            <a:r>
               <a:rPr lang="de-DE" sz="2000" dirty="0" smtClean="0"/>
-              <a:t> </a:t>
+              <a:t>JCR </a:t>
             </a:r>
             <a:r>
               <a:rPr lang="de-DE" sz="2000" dirty="0" err="1" smtClean="0"/>
@@ -10900,15 +10903,23 @@
             </a:r>
             <a:r>
               <a:rPr lang="it-IT" sz="2000" dirty="0" smtClean="0"/>
-              <a:t> to use for the </a:t>
+              <a:t> </a:t>
             </a:r>
             <a:r>
               <a:rPr lang="it-IT" sz="2000" dirty="0" err="1" smtClean="0"/>
-              <a:t>lock</a:t>
+              <a:t>used</a:t>
             </a:r>
             <a:r>
               <a:rPr lang="it-IT" sz="2000" dirty="0" smtClean="0"/>
-              <a:t> manager</a:t>
+              <a:t> by </a:t>
+            </a:r>
+            <a:r>
+              <a:rPr lang="it-IT" sz="2000" dirty="0" smtClean="0"/>
+              <a:t>the </a:t>
+            </a:r>
+            <a:r>
+              <a:rPr lang="it-IT" sz="2000" dirty="0" smtClean="0"/>
+              <a:t>Lock Manager</a:t>
             </a:r>
             <a:endParaRPr lang="it-IT" sz="2000" dirty="0"/>
           </a:p>
@@ -10999,7 +11010,7 @@
             </a:r>
             <a:r>
               <a:rPr lang="de-DE" sz="2000" dirty="0" err="1" smtClean="0"/>
-              <a:t>to</a:t>
+              <a:t>used</a:t>
             </a:r>
             <a:r>
               <a:rPr lang="de-DE" sz="2000" dirty="0" smtClean="0"/>
@@ -11007,7 +11018,7 @@
             </a:r>
             <a:r>
               <a:rPr lang="de-DE" sz="2000" dirty="0" err="1" smtClean="0"/>
-              <a:t>use</a:t>
+              <a:t>for</a:t>
             </a:r>
             <a:r>
               <a:rPr lang="de-DE" sz="2000" dirty="0" smtClean="0"/>
@@ -11015,23 +11026,15 @@
             </a:r>
             <a:r>
               <a:rPr lang="de-DE" sz="2000" dirty="0" err="1" smtClean="0"/>
-              <a:t>for</a:t>
+              <a:t>the</a:t>
             </a:r>
             <a:r>
               <a:rPr lang="de-DE" sz="2000" dirty="0" smtClean="0"/>
               <a:t> </a:t>
             </a:r>
             <a:r>
-              <a:rPr lang="de-DE" sz="2000" dirty="0" err="1" smtClean="0"/>
-              <a:t>the</a:t>
-            </a:r>
-            <a:r>
               <a:rPr lang="de-DE" sz="2000" dirty="0" smtClean="0"/>
-              <a:t> lock </a:t>
-            </a:r>
-            <a:r>
-              <a:rPr lang="de-DE" sz="2000" dirty="0" err="1" smtClean="0"/>
-              <a:t>manager</a:t>
+              <a:t>Lock Manager</a:t>
             </a:r>
             <a:endParaRPr lang="de-DE" sz="2000" dirty="0" smtClean="0"/>
           </a:p>
@@ -11908,7 +11911,19 @@
             </a:r>
             <a:r>
               <a:rPr lang="it-IT" sz="2000" dirty="0"/>
-              <a:t> to use for the </a:t>
+              <a:t> </a:t>
+            </a:r>
+            <a:r>
+              <a:rPr lang="it-IT" sz="2000" dirty="0" err="1" smtClean="0"/>
+              <a:t>used</a:t>
+            </a:r>
+            <a:r>
+              <a:rPr lang="it-IT" sz="2000" dirty="0" smtClean="0"/>
+              <a:t> by </a:t>
+            </a:r>
+            <a:r>
+              <a:rPr lang="it-IT" sz="2000" dirty="0"/>
+              <a:t>the </a:t>
             </a:r>
             <a:r>
               <a:rPr lang="it-IT" sz="2000" dirty="0" err="1" smtClean="0"/>
@@ -11990,31 +12005,23 @@
               <a:t>cluster</a:t>
             </a:r>
             <a:r>
-              <a:rPr lang="de-DE" sz="2000" dirty="0"/>
+              <a:rPr lang="de-DE" sz="2000"/>
               <a:t> </a:t>
             </a:r>
             <a:r>
-              <a:rPr lang="de-DE" sz="2000" dirty="0" err="1"/>
-              <a:t>to</a:t>
-            </a:r>
-            <a:r>
-              <a:rPr lang="de-DE" sz="2000" dirty="0"/>
+              <a:rPr lang="de-DE" sz="2000" smtClean="0"/>
+              <a:t>used</a:t>
+            </a:r>
+            <a:r>
+              <a:rPr lang="de-DE" sz="2000" dirty="0" smtClean="0"/>
               <a:t> </a:t>
             </a:r>
             <a:r>
-              <a:rPr lang="de-DE" sz="2000" dirty="0" err="1"/>
-              <a:t>use</a:t>
-            </a:r>
-            <a:r>
-              <a:rPr lang="de-DE" sz="2000" dirty="0"/>
-              <a:t> </a:t>
-            </a:r>
-            <a:r>
-              <a:rPr lang="de-DE" sz="2000" dirty="0" err="1"/>
-              <a:t>for</a:t>
-            </a:r>
-            <a:r>
-              <a:rPr lang="de-DE" sz="2000" dirty="0"/>
+              <a:rPr lang="de-DE" sz="2000" dirty="0" err="1" smtClean="0"/>
+              <a:t>by</a:t>
+            </a:r>
+            <a:r>
+              <a:rPr lang="de-DE" sz="2000" dirty="0" smtClean="0"/>
               <a:t> </a:t>
             </a:r>
             <a:r>
@@ -12826,11 +12833,7 @@
             </a:r>
             <a:r>
               <a:rPr lang="en-US" dirty="0" smtClean="0"/>
-              <a:t>FQN of the filter to use to know if an index recovery is </a:t>
-            </a:r>
-            <a:r>
-              <a:rPr lang="en-US" dirty="0" smtClean="0"/>
-              <a:t>required</a:t>
+              <a:t>FQN of the filter to use to know if an index recovery is required</a:t>
             </a:r>
             <a:endParaRPr lang="en-US" b="1" i="1" dirty="0"/>
           </a:p>
@@ -13934,23 +13937,7 @@
             </a:r>
             <a:r>
               <a:rPr lang="en-US" sz="2200" b="1" i="1" dirty="0" smtClean="0"/>
-              <a:t> in case you would like to configure the </a:t>
-            </a:r>
-            <a:r>
-              <a:rPr lang="en-US" sz="2200" b="1" i="1" dirty="0" smtClean="0"/>
-              <a:t>shared </a:t>
-            </a:r>
-            <a:r>
-              <a:rPr lang="en-US" sz="2200" b="1" i="1" dirty="0" smtClean="0"/>
-              <a:t>approach</a:t>
-            </a:r>
-            <a:r>
-              <a:rPr lang="en-US" sz="2200" b="1" i="1" dirty="0" smtClean="0"/>
-              <a:t>, </a:t>
-            </a:r>
-            <a:r>
-              <a:rPr lang="en-US" sz="2200" b="1" i="1" dirty="0" smtClean="0"/>
-              <a:t>you will need to</a:t>
+              <a:t> in case you would like to configure the shared approach, you will need to</a:t>
             </a:r>
           </a:p>
           <a:p>
@@ -14409,15 +14396,7 @@
             </a:pPr>
             <a:r>
               <a:rPr lang="en-US" sz="2200" b="1" i="1" dirty="0" smtClean="0"/>
-              <a:t>The cluster nodes must be launched one after the other (no more true </a:t>
-            </a:r>
-            <a:r>
-              <a:rPr lang="en-US" sz="2200" b="1" i="1" dirty="0" smtClean="0"/>
-              <a:t>since </a:t>
-            </a:r>
-            <a:r>
-              <a:rPr lang="en-US" sz="2200" b="1" i="1" dirty="0" smtClean="0"/>
-              <a:t>JCR 1.14)</a:t>
+              <a:t>The cluster nodes must be launched one after the other (no more true since JCR 1.14)</a:t>
             </a:r>
           </a:p>
           <a:p>
@@ -14775,59 +14754,7 @@
             </a:r>
             <a:r>
               <a:rPr lang="en-US" dirty="0" smtClean="0"/>
-              <a:t>We have 2 concurrent threads blocked because the first thread holds the lock on </a:t>
-            </a:r>
-            <a:r>
-              <a:rPr lang="en-US" dirty="0" smtClean="0"/>
-              <a:t>a cache entry locally and </a:t>
-            </a:r>
-            <a:r>
-              <a:rPr lang="en-US" dirty="0" smtClean="0"/>
-              <a:t>wants to acquire the lock </a:t>
-            </a:r>
-            <a:r>
-              <a:rPr lang="en-US" dirty="0" smtClean="0"/>
-              <a:t>of this entry on the second cluster node </a:t>
-            </a:r>
-            <a:r>
-              <a:rPr lang="en-US" dirty="0" smtClean="0"/>
-              <a:t>and </a:t>
-            </a:r>
-            <a:r>
-              <a:rPr lang="en-US" dirty="0" smtClean="0"/>
-              <a:t>the </a:t>
-            </a:r>
-            <a:r>
-              <a:rPr lang="en-US" dirty="0" smtClean="0"/>
-              <a:t>second thread holds the lock on </a:t>
-            </a:r>
-            <a:r>
-              <a:rPr lang="en-US" dirty="0" smtClean="0"/>
-              <a:t>the same cache entry on th</a:t>
-            </a:r>
-            <a:r>
-              <a:rPr lang="en-US" dirty="0" smtClean="0"/>
-              <a:t>e second cluster node</a:t>
-            </a:r>
-            <a:r>
-              <a:rPr lang="en-US" dirty="0" smtClean="0"/>
-              <a:t> </a:t>
-            </a:r>
-            <a:r>
-              <a:rPr lang="en-US" dirty="0" smtClean="0"/>
-              <a:t>and wants to acquire the lock on </a:t>
-            </a:r>
-            <a:r>
-              <a:rPr lang="en-US" dirty="0" smtClean="0"/>
-              <a:t>this entry on the </a:t>
-            </a:r>
-            <a:r>
-              <a:rPr lang="en-US" dirty="0" smtClean="0"/>
-              <a:t>first </a:t>
-            </a:r>
-            <a:r>
-              <a:rPr lang="en-US" dirty="0" smtClean="0"/>
-              <a:t>cluster node.</a:t>
+              <a:t>We have 2 concurrent threads blocked because the first thread holds the lock on a cache entry locally and wants to acquire the lock of this entry on the second cluster node and the second thread holds the lock on the same cache entry on the second cluster node and wants to acquire the lock on this entry on the first cluster node.</a:t>
             </a:r>
             <a:endParaRPr lang="en-US" b="1" i="1" dirty="0" smtClean="0"/>
           </a:p>
@@ -14851,15 +14778,7 @@
             </a:r>
             <a:r>
               <a:rPr lang="en-US" dirty="0" smtClean="0"/>
-              <a:t>} (here 20 seconds) and that holds several locks on </a:t>
-            </a:r>
-            <a:r>
-              <a:rPr lang="en-US" dirty="0" smtClean="0"/>
-              <a:t>cache entries and </a:t>
-            </a:r>
-            <a:r>
-              <a:rPr lang="en-US" dirty="0" smtClean="0"/>
-              <a:t>we have concurrent threads that would like to acquire the lock on one or several </a:t>
+              <a:t>} (here 20 seconds) and that holds several locks on cache entries and we have concurrent threads that would like to acquire the lock on one or several </a:t>
             </a:r>
             <a:r>
               <a:rPr lang="en-US" smtClean="0"/>

--- a/JPP6-JCR/Day-5.pptx
+++ b/JPP6-JCR/Day-5.pptx
@@ -8857,7 +8857,15 @@
             </a:pPr>
             <a:r>
               <a:rPr lang="en-US" sz="2200" b="1" i="1" dirty="0" smtClean="0"/>
-              <a:t>The value storage if enabled are stored in a shared File System</a:t>
+              <a:t>The value storage if enabled </a:t>
+            </a:r>
+            <a:r>
+              <a:rPr lang="en-US" sz="2200" b="1" i="1" dirty="0" smtClean="0"/>
+              <a:t>is stored into </a:t>
+            </a:r>
+            <a:r>
+              <a:rPr lang="en-US" sz="2200" b="1" i="1" dirty="0" smtClean="0"/>
+              <a:t>a shared File System</a:t>
             </a:r>
           </a:p>
           <a:p>
@@ -11863,11 +11871,15 @@
             </a:r>
             <a:r>
               <a:rPr lang="it-IT" sz="2000" b="1" i="1" dirty="0" err="1" smtClean="0"/>
-              <a:t>hangesfilter</a:t>
+              <a:t>hangesfilter-class</a:t>
             </a:r>
             <a:r>
               <a:rPr lang="it-IT" sz="2000" b="1" i="1" dirty="0" smtClean="0"/>
-              <a:t> set to </a:t>
+              <a:t> </a:t>
+            </a:r>
+            <a:r>
+              <a:rPr lang="it-IT" sz="2000" b="1" i="1" dirty="0" smtClean="0"/>
+              <a:t>set to </a:t>
             </a:r>
             <a:r>
               <a:rPr lang="en-US" sz="2000" b="1" i="1" dirty="0" err="1" smtClean="0"/>
@@ -12005,11 +12017,11 @@
               <a:t>cluster</a:t>
             </a:r>
             <a:r>
-              <a:rPr lang="de-DE" sz="2000"/>
+              <a:rPr lang="de-DE" sz="2000" dirty="0"/>
               <a:t> </a:t>
             </a:r>
             <a:r>
-              <a:rPr lang="de-DE" sz="2000" smtClean="0"/>
+              <a:rPr lang="de-DE" sz="2000" dirty="0" err="1" smtClean="0"/>
               <a:t>used</a:t>
             </a:r>
             <a:r>
@@ -12631,12 +12643,24 @@
               <a:t> to the JBC </a:t>
             </a:r>
             <a:r>
-              <a:rPr lang="it-IT" dirty="0" err="1"/>
+              <a:rPr lang="it-IT" dirty="0" err="1" smtClean="0"/>
               <a:t>configuration</a:t>
             </a:r>
             <a:r>
               <a:rPr lang="it-IT" dirty="0"/>
-              <a:t> to use for the </a:t>
+              <a:t> </a:t>
+            </a:r>
+            <a:r>
+              <a:rPr lang="it-IT" dirty="0" err="1" smtClean="0"/>
+              <a:t>used</a:t>
+            </a:r>
+            <a:r>
+              <a:rPr lang="it-IT" dirty="0" smtClean="0"/>
+              <a:t> by </a:t>
+            </a:r>
+            <a:r>
+              <a:rPr lang="it-IT" dirty="0"/>
+              <a:t>the </a:t>
             </a:r>
             <a:r>
               <a:rPr lang="it-IT" dirty="0" err="1" smtClean="0"/>
@@ -12722,19 +12746,11 @@
               <a:t> </a:t>
             </a:r>
             <a:r>
-              <a:rPr lang="de-DE" dirty="0" err="1"/>
-              <a:t>to</a:t>
-            </a:r>
-            <a:r>
-              <a:rPr lang="de-DE" dirty="0"/>
-              <a:t> </a:t>
-            </a:r>
-            <a:r>
-              <a:rPr lang="de-DE" dirty="0" err="1"/>
-              <a:t>use</a:t>
-            </a:r>
-            <a:r>
-              <a:rPr lang="de-DE" dirty="0"/>
+              <a:rPr lang="de-DE" dirty="0" err="1" smtClean="0"/>
+              <a:t>used</a:t>
+            </a:r>
+            <a:r>
+              <a:rPr lang="de-DE" dirty="0" smtClean="0"/>
               <a:t> </a:t>
             </a:r>
             <a:r>
@@ -13559,7 +13575,15 @@
             </a:r>
             <a:r>
               <a:rPr lang="en-US" dirty="0" smtClean="0"/>
-              <a:t>path to the JBC configuration to use for the indexer</a:t>
+              <a:t>path to the JBC configuration </a:t>
+            </a:r>
+            <a:r>
+              <a:rPr lang="en-US" dirty="0" smtClean="0"/>
+              <a:t>used by </a:t>
+            </a:r>
+            <a:r>
+              <a:rPr lang="en-US" dirty="0" smtClean="0"/>
+              <a:t>the indexer</a:t>
             </a:r>
           </a:p>
           <a:p>
@@ -13605,7 +13629,15 @@
             </a:r>
             <a:r>
               <a:rPr lang="en-US" dirty="0" smtClean="0"/>
-              <a:t>name of the cluster to use for the indexer</a:t>
+              <a:t>name of the cluster </a:t>
+            </a:r>
+            <a:r>
+              <a:rPr lang="en-US" dirty="0" smtClean="0"/>
+              <a:t>used </a:t>
+            </a:r>
+            <a:r>
+              <a:rPr lang="en-US" dirty="0" smtClean="0"/>
+              <a:t>for the indexer</a:t>
             </a:r>
           </a:p>
           <a:p>

--- a/JPP6-JCR/Day-5.pptx
+++ b/JPP6-JCR/Day-5.pptx
@@ -7500,16 +7500,15 @@
               </a:lnSpc>
             </a:pPr>
             <a:r>
-              <a:rPr lang="en-GB" sz="3500" dirty="0" smtClean="0">
+              <a:rPr lang="en-US" sz="3500" dirty="0">
                 <a:solidFill>
                   <a:srgbClr val="FFA300"/>
                 </a:solidFill>
-                <a:latin typeface="Arial"/>
                 <a:ea typeface="MS Gothic"/>
               </a:rPr>
-              <a:t>Standard settings</a:t>
-            </a:r>
-            <a:endParaRPr dirty="0"/>
+              <a:t>Index replication strategies</a:t>
+            </a:r>
+            <a:endParaRPr lang="en-US" sz="3600" dirty="0"/>
           </a:p>
         </p:txBody>
       </p:sp>
@@ -7761,29 +7760,25 @@
           <a:bodyPr lIns="0" tIns="0" rIns="41760" bIns="0" anchor="b"/>
           <a:lstStyle/>
           <a:p>
-            <a:pPr>
-              <a:lnSpc>
-                <a:spcPct val="100000"/>
-              </a:lnSpc>
-            </a:pPr>
-            <a:r>
-              <a:rPr lang="en-US" sz="3200" b="1" i="1" dirty="0">
+            <a:r>
+              <a:rPr lang="en-US" sz="3500" dirty="0">
                 <a:solidFill>
-                  <a:srgbClr val="4C4C4C"/>
+                  <a:srgbClr val="FFA300"/>
                 </a:solidFill>
                 <a:ea typeface="MS Gothic"/>
               </a:rPr>
               <a:t>Index replication </a:t>
             </a:r>
             <a:r>
-              <a:rPr lang="en-US" sz="3200" b="1" i="1" dirty="0" smtClean="0">
+              <a:rPr lang="en-US" sz="3500" dirty="0" smtClean="0">
                 <a:solidFill>
-                  <a:srgbClr val="4C4C4C"/>
+                  <a:srgbClr val="FFA300"/>
                 </a:solidFill>
                 <a:ea typeface="MS Gothic"/>
               </a:rPr>
               <a:t>strategies</a:t>
             </a:r>
+            <a:endParaRPr lang="en-US" sz="3500" dirty="0"/>
           </a:p>
         </p:txBody>
       </p:sp>
@@ -7947,22 +7942,25 @@
           <a:bodyPr lIns="0" tIns="0" rIns="41760" bIns="0" anchor="b"/>
           <a:lstStyle/>
           <a:p>
-            <a:pPr>
-              <a:lnSpc>
-                <a:spcPct val="100000"/>
-              </a:lnSpc>
-            </a:pPr>
-            <a:r>
-              <a:rPr lang="en-GB" sz="3500" dirty="0" smtClean="0">
+            <a:r>
+              <a:rPr lang="en-US" sz="3500" dirty="0">
                 <a:solidFill>
                   <a:srgbClr val="FFA300"/>
                 </a:solidFill>
-                <a:latin typeface="Arial"/>
                 <a:ea typeface="MS Gothic"/>
               </a:rPr>
-              <a:t>Standard settings</a:t>
-            </a:r>
-            <a:endParaRPr dirty="0"/>
+              <a:t>Index replication </a:t>
+            </a:r>
+            <a:r>
+              <a:rPr lang="en-US" sz="3500" dirty="0" smtClean="0">
+                <a:solidFill>
+                  <a:srgbClr val="FFA300"/>
+                </a:solidFill>
+                <a:ea typeface="MS Gothic"/>
+              </a:rPr>
+              <a:t>strategies</a:t>
+            </a:r>
+            <a:endParaRPr lang="en-US" sz="3500" dirty="0"/>
           </a:p>
         </p:txBody>
       </p:sp>
@@ -8197,29 +8195,25 @@
           <a:bodyPr lIns="0" tIns="0" rIns="41760" bIns="0" anchor="b"/>
           <a:lstStyle/>
           <a:p>
-            <a:pPr>
-              <a:lnSpc>
-                <a:spcPct val="100000"/>
-              </a:lnSpc>
-            </a:pPr>
-            <a:r>
-              <a:rPr lang="en-US" sz="3200" b="1" i="1" dirty="0">
+            <a:r>
+              <a:rPr lang="en-US" sz="3500" dirty="0">
                 <a:solidFill>
-                  <a:srgbClr val="4C4C4C"/>
+                  <a:srgbClr val="FFA300"/>
                 </a:solidFill>
                 <a:ea typeface="MS Gothic"/>
               </a:rPr>
               <a:t>Index replication </a:t>
             </a:r>
             <a:r>
-              <a:rPr lang="en-US" sz="3200" b="1" i="1" dirty="0" smtClean="0">
+              <a:rPr lang="en-US" sz="3500" dirty="0" smtClean="0">
                 <a:solidFill>
-                  <a:srgbClr val="4C4C4C"/>
+                  <a:srgbClr val="FFA300"/>
                 </a:solidFill>
                 <a:ea typeface="MS Gothic"/>
               </a:rPr>
               <a:t>strategies</a:t>
             </a:r>
+            <a:endParaRPr lang="en-US" sz="3500" dirty="0"/>
           </a:p>
         </p:txBody>
       </p:sp>
@@ -8389,14 +8383,13 @@
               </a:lnSpc>
             </a:pPr>
             <a:r>
-              <a:rPr lang="en-GB" sz="3500" dirty="0" smtClean="0">
+              <a:rPr lang="en-US" sz="3500" dirty="0">
                 <a:solidFill>
                   <a:srgbClr val="FFA300"/>
                 </a:solidFill>
-                <a:latin typeface="Arial"/>
                 <a:ea typeface="MS Gothic"/>
               </a:rPr>
-              <a:t>Standard settings</a:t>
+              <a:t>Index replication strategies</a:t>
             </a:r>
             <a:endParaRPr dirty="0"/>
           </a:p>
@@ -8857,15 +8850,7 @@
             </a:pPr>
             <a:r>
               <a:rPr lang="en-US" sz="2200" b="1" i="1" dirty="0" smtClean="0"/>
-              <a:t>The value storage if enabled </a:t>
-            </a:r>
-            <a:r>
-              <a:rPr lang="en-US" sz="2200" b="1" i="1" dirty="0" smtClean="0"/>
-              <a:t>is stored into </a:t>
-            </a:r>
-            <a:r>
-              <a:rPr lang="en-US" sz="2200" b="1" i="1" dirty="0" smtClean="0"/>
-              <a:t>a shared File System</a:t>
+              <a:t>The value storage if enabled is stored into a shared File System</a:t>
             </a:r>
           </a:p>
           <a:p>
@@ -9302,13 +9287,8 @@
             </a:r>
             <a:r>
               <a:rPr lang="fr-FR" sz="2000" b="1" i="1" dirty="0" smtClean="0"/>
-              <a:t> </a:t>
-            </a:r>
-            <a:r>
-              <a:rPr lang="fr-FR" sz="2000" b="1" i="1" dirty="0" smtClean="0"/>
-              <a:t>mode</a:t>
-            </a:r>
-            <a:endParaRPr lang="fr-FR" sz="2000" b="1" i="1" dirty="0" smtClean="0"/>
+              <a:t> mode</a:t>
+            </a:r>
           </a:p>
           <a:p>
             <a:pPr marL="342900" indent="-342900">
@@ -9891,15 +9871,7 @@
             </a:r>
             <a:r>
               <a:rPr lang="it-IT" sz="2000" dirty="0" smtClean="0"/>
-              <a:t> by </a:t>
-            </a:r>
-            <a:r>
-              <a:rPr lang="it-IT" sz="2000" dirty="0" smtClean="0"/>
-              <a:t>the </a:t>
-            </a:r>
-            <a:r>
-              <a:rPr lang="it-IT" sz="2000" dirty="0" smtClean="0"/>
-              <a:t>JCR cache</a:t>
+              <a:t> by the JCR cache</a:t>
             </a:r>
             <a:endParaRPr lang="it-IT" sz="2000" dirty="0"/>
           </a:p>
@@ -10010,11 +9982,7 @@
             </a:r>
             <a:r>
               <a:rPr lang="de-DE" sz="2000" dirty="0" smtClean="0"/>
-              <a:t> </a:t>
-            </a:r>
-            <a:r>
-              <a:rPr lang="de-DE" sz="2000" dirty="0" smtClean="0"/>
-              <a:t>JCR </a:t>
+              <a:t> JCR </a:t>
             </a:r>
             <a:r>
               <a:rPr lang="de-DE" sz="2000" dirty="0" err="1" smtClean="0"/>
@@ -10919,15 +10887,7 @@
             </a:r>
             <a:r>
               <a:rPr lang="it-IT" sz="2000" dirty="0" smtClean="0"/>
-              <a:t> by </a:t>
-            </a:r>
-            <a:r>
-              <a:rPr lang="it-IT" sz="2000" dirty="0" smtClean="0"/>
-              <a:t>the </a:t>
-            </a:r>
-            <a:r>
-              <a:rPr lang="it-IT" sz="2000" dirty="0" smtClean="0"/>
-              <a:t>Lock Manager</a:t>
+              <a:t> by the Lock Manager</a:t>
             </a:r>
             <a:endParaRPr lang="it-IT" sz="2000" dirty="0"/>
           </a:p>
@@ -11038,13 +10998,8 @@
             </a:r>
             <a:r>
               <a:rPr lang="de-DE" sz="2000" dirty="0" smtClean="0"/>
-              <a:t> </a:t>
-            </a:r>
-            <a:r>
-              <a:rPr lang="de-DE" sz="2000" dirty="0" smtClean="0"/>
-              <a:t>Lock Manager</a:t>
-            </a:r>
-            <a:endParaRPr lang="de-DE" sz="2000" dirty="0" smtClean="0"/>
+              <a:t> Lock Manager</a:t>
+            </a:r>
           </a:p>
           <a:p>
             <a:pPr marL="342900" indent="-342900">
@@ -11875,11 +11830,7 @@
             </a:r>
             <a:r>
               <a:rPr lang="it-IT" sz="2000" b="1" i="1" dirty="0" smtClean="0"/>
-              <a:t> </a:t>
-            </a:r>
-            <a:r>
-              <a:rPr lang="it-IT" sz="2000" b="1" i="1" dirty="0" smtClean="0"/>
-              <a:t>set to </a:t>
+              <a:t> set to </a:t>
             </a:r>
             <a:r>
               <a:rPr lang="en-US" sz="2000" b="1" i="1" dirty="0" err="1" smtClean="0"/>
@@ -13575,15 +13526,7 @@
             </a:r>
             <a:r>
               <a:rPr lang="en-US" dirty="0" smtClean="0"/>
-              <a:t>path to the JBC configuration </a:t>
-            </a:r>
-            <a:r>
-              <a:rPr lang="en-US" dirty="0" smtClean="0"/>
-              <a:t>used by </a:t>
-            </a:r>
-            <a:r>
-              <a:rPr lang="en-US" dirty="0" smtClean="0"/>
-              <a:t>the indexer</a:t>
+              <a:t>path to the JBC configuration used by the indexer</a:t>
             </a:r>
           </a:p>
           <a:p>
@@ -13629,15 +13572,7 @@
             </a:r>
             <a:r>
               <a:rPr lang="en-US" dirty="0" smtClean="0"/>
-              <a:t>name of the cluster </a:t>
-            </a:r>
-            <a:r>
-              <a:rPr lang="en-US" dirty="0" smtClean="0"/>
-              <a:t>used </a:t>
-            </a:r>
-            <a:r>
-              <a:rPr lang="en-US" dirty="0" smtClean="0"/>
-              <a:t>for the indexer</a:t>
+              <a:t>name of the cluster used for the indexer</a:t>
             </a:r>
           </a:p>
           <a:p>
@@ -15083,7 +15018,7 @@
               </a:lnSpc>
             </a:pPr>
             <a:r>
-              <a:rPr lang="en-GB" sz="3500">
+              <a:rPr lang="en-GB" sz="3500" dirty="0">
                 <a:solidFill>
                   <a:srgbClr val="FFA300"/>
                 </a:solidFill>
@@ -15092,7 +15027,7 @@
               </a:rPr>
               <a:t>Table of Contents</a:t>
             </a:r>
-            <a:endParaRPr/>
+            <a:endParaRPr dirty="0"/>
           </a:p>
         </p:txBody>
       </p:sp>
@@ -21059,29 +20994,25 @@
           <a:bodyPr lIns="0" tIns="0" rIns="41760" bIns="0" anchor="b"/>
           <a:lstStyle/>
           <a:p>
-            <a:pPr>
-              <a:lnSpc>
-                <a:spcPct val="100000"/>
-              </a:lnSpc>
-            </a:pPr>
-            <a:r>
-              <a:rPr lang="en-US" sz="3200" b="1" i="1" dirty="0">
+            <a:r>
+              <a:rPr lang="en-US" sz="3500" dirty="0">
                 <a:solidFill>
-                  <a:srgbClr val="4C4C4C"/>
+                  <a:srgbClr val="FFA300"/>
                 </a:solidFill>
                 <a:ea typeface="MS Gothic"/>
               </a:rPr>
               <a:t>Index replication </a:t>
             </a:r>
             <a:r>
-              <a:rPr lang="en-US" sz="3200" b="1" i="1" dirty="0" smtClean="0">
+              <a:rPr lang="en-US" sz="3500" dirty="0" smtClean="0">
                 <a:solidFill>
-                  <a:srgbClr val="4C4C4C"/>
+                  <a:srgbClr val="FFA300"/>
                 </a:solidFill>
                 <a:ea typeface="MS Gothic"/>
               </a:rPr>
               <a:t>strategies</a:t>
             </a:r>
+            <a:endParaRPr lang="en-US" sz="3500" dirty="0"/>
           </a:p>
         </p:txBody>
       </p:sp>
